--- a/Documents/Customer Class Diagrams + CRC.pptx
+++ b/Documents/Customer Class Diagrams + CRC.pptx
@@ -539,10 +539,9 @@
               <a:t>AllCustomer</a:t>
             </a:r>
             <a:r>
-              <a:rPr lang="en-US"/>
+              <a:rPr lang="en-US" dirty="0"/>
               <a:t> class</a:t>
             </a:r>
-            <a:endParaRPr lang="en-US" dirty="0"/>
           </a:p>
         </p:txBody>
       </p:sp>
@@ -5369,7 +5368,7 @@
         <p:spPr>
           <a:xfrm>
             <a:off x="0" y="229573"/>
-            <a:ext cx="893513" cy="369332"/>
+            <a:ext cx="1223010" cy="646331"/>
           </a:xfrm>
           <a:prstGeom prst="rect">
             <a:avLst/>
@@ -5384,7 +5383,120 @@
           <a:p>
             <a:r>
               <a:rPr lang="en-US" dirty="0"/>
-              <a:t>Report</a:t>
+              <a:t>Report Generator</a:t>
+            </a:r>
+          </a:p>
+        </p:txBody>
+      </p:sp>
+      <p:cxnSp>
+        <p:nvCxnSpPr>
+          <p:cNvPr id="44" name="Straight Connector 43">
+            <a:extLst>
+              <a:ext uri="{FF2B5EF4-FFF2-40B4-BE49-F238E27FC236}">
+                <a16:creationId xmlns:a16="http://schemas.microsoft.com/office/drawing/2014/main" id="{7D4E3E2A-BAD3-F94F-A806-C77A57A088AD}"/>
+              </a:ext>
+            </a:extLst>
+          </p:cNvPr>
+          <p:cNvCxnSpPr>
+            <a:cxnSpLocks/>
+          </p:cNvCxnSpPr>
+          <p:nvPr/>
+        </p:nvCxnSpPr>
+        <p:spPr>
+          <a:xfrm>
+            <a:off x="8684172" y="318710"/>
+            <a:ext cx="3271344" cy="0"/>
+          </a:xfrm>
+          <a:prstGeom prst="line">
+            <a:avLst/>
+          </a:prstGeom>
+          <a:ln w="38100"/>
+        </p:spPr>
+        <p:style>
+          <a:lnRef idx="1">
+            <a:schemeClr val="accent1"/>
+          </a:lnRef>
+          <a:fillRef idx="0">
+            <a:schemeClr val="accent1"/>
+          </a:fillRef>
+          <a:effectRef idx="0">
+            <a:schemeClr val="accent1"/>
+          </a:effectRef>
+          <a:fontRef idx="minor">
+            <a:schemeClr val="tx1"/>
+          </a:fontRef>
+        </p:style>
+      </p:cxnSp>
+      <p:cxnSp>
+        <p:nvCxnSpPr>
+          <p:cNvPr id="45" name="Straight Arrow Connector 44">
+            <a:extLst>
+              <a:ext uri="{FF2B5EF4-FFF2-40B4-BE49-F238E27FC236}">
+                <a16:creationId xmlns:a16="http://schemas.microsoft.com/office/drawing/2014/main" id="{57650E01-E790-3F4C-9931-AAD304D4CA8F}"/>
+              </a:ext>
+            </a:extLst>
+          </p:cNvPr>
+          <p:cNvCxnSpPr/>
+          <p:nvPr/>
+        </p:nvCxnSpPr>
+        <p:spPr>
+          <a:xfrm>
+            <a:off x="10319844" y="318710"/>
+            <a:ext cx="1314" cy="942531"/>
+          </a:xfrm>
+          <a:prstGeom prst="straightConnector1">
+            <a:avLst/>
+          </a:prstGeom>
+          <a:ln>
+            <a:tailEnd type="triangle"/>
+          </a:ln>
+        </p:spPr>
+        <p:style>
+          <a:lnRef idx="1">
+            <a:schemeClr val="accent1"/>
+          </a:lnRef>
+          <a:fillRef idx="0">
+            <a:schemeClr val="accent1"/>
+          </a:fillRef>
+          <a:effectRef idx="0">
+            <a:schemeClr val="accent1"/>
+          </a:effectRef>
+          <a:fontRef idx="minor">
+            <a:schemeClr val="tx1"/>
+          </a:fontRef>
+        </p:style>
+      </p:cxnSp>
+      <p:sp>
+        <p:nvSpPr>
+          <p:cNvPr id="46" name="TextBox 45">
+            <a:extLst>
+              <a:ext uri="{FF2B5EF4-FFF2-40B4-BE49-F238E27FC236}">
+                <a16:creationId xmlns:a16="http://schemas.microsoft.com/office/drawing/2014/main" id="{33362366-B5BC-1E41-BF9E-DC80DA25A2E9}"/>
+              </a:ext>
+            </a:extLst>
+          </p:cNvPr>
+          <p:cNvSpPr txBox="1"/>
+          <p:nvPr/>
+        </p:nvSpPr>
+        <p:spPr>
+          <a:xfrm>
+            <a:off x="9941231" y="-29238"/>
+            <a:ext cx="757226" cy="369332"/>
+          </a:xfrm>
+          <a:prstGeom prst="rect">
+            <a:avLst/>
+          </a:prstGeom>
+          <a:noFill/>
+        </p:spPr>
+        <p:txBody>
+          <a:bodyPr wrap="square" rtlCol="0">
+            <a:spAutoFit/>
+          </a:bodyPr>
+          <a:lstStyle/>
+          <a:p>
+            <a:r>
+              <a:rPr lang="en-US" dirty="0"/>
+              <a:t>Menu</a:t>
             </a:r>
           </a:p>
         </p:txBody>
